--- a/1-csharp/MarksCodeAndPPTs/DotNetPPTs/D4_.NET_SOLID.pptx
+++ b/1-csharp/MarksCodeAndPPTs/DotNetPPTs/D4_.NET_SOLID.pptx
@@ -372,7 +372,7 @@
           <a:p>
             <a:fld id="{9184DA70-C731-4C70-880D-CCD4705E623C}" type="datetime1">
               <a:rPr lang="en-US" smtClean="0"/>
-              <a:t>3/11/2020</a:t>
+              <a:t>3/13/2020</a:t>
             </a:fld>
             <a:endParaRPr lang="en-US" dirty="0"/>
           </a:p>
@@ -560,7 +560,7 @@
           <a:p>
             <a:fld id="{B612A279-0833-481D-8C56-F67FD0AC6C50}" type="datetime1">
               <a:rPr lang="en-US" smtClean="0"/>
-              <a:t>3/11/2020</a:t>
+              <a:t>3/13/2020</a:t>
             </a:fld>
             <a:endParaRPr lang="en-US" dirty="0"/>
           </a:p>
@@ -802,7 +802,7 @@
           <a:p>
             <a:fld id="{6587DA83-5663-4C9C-B9AA-0B40A3DAFF81}" type="datetime1">
               <a:rPr lang="en-US" smtClean="0"/>
-              <a:t>3/11/2020</a:t>
+              <a:t>3/13/2020</a:t>
             </a:fld>
             <a:endParaRPr lang="en-US" dirty="0"/>
           </a:p>
@@ -990,7 +990,7 @@
           <a:p>
             <a:fld id="{4BE1D723-8F53-4F53-90B0-1982A396982E}" type="datetime1">
               <a:rPr lang="en-US" smtClean="0"/>
-              <a:t>3/11/2020</a:t>
+              <a:t>3/13/2020</a:t>
             </a:fld>
             <a:endParaRPr lang="en-US" dirty="0"/>
           </a:p>
@@ -1363,7 +1363,7 @@
           <a:p>
             <a:fld id="{97669AF7-7BEB-44E4-9852-375E34362B5B}" type="datetime1">
               <a:rPr lang="en-US" smtClean="0"/>
-              <a:t>3/11/2020</a:t>
+              <a:t>3/13/2020</a:t>
             </a:fld>
             <a:endParaRPr lang="en-US" dirty="0"/>
           </a:p>
@@ -1618,7 +1618,7 @@
           <a:p>
             <a:fld id="{BAAAC38D-0552-4C82-B593-E6124DFADBE2}" type="datetime1">
               <a:rPr lang="en-US" smtClean="0"/>
-              <a:t>3/11/2020</a:t>
+              <a:t>3/13/2020</a:t>
             </a:fld>
             <a:endParaRPr lang="en-US" dirty="0"/>
           </a:p>
@@ -2015,7 +2015,7 @@
           <a:p>
             <a:fld id="{D9DF0F1C-5577-4ACB-BB62-DF8F3C494C7E}" type="datetime1">
               <a:rPr lang="en-US" smtClean="0"/>
-              <a:t>3/11/2020</a:t>
+              <a:t>3/13/2020</a:t>
             </a:fld>
             <a:endParaRPr lang="en-US" dirty="0"/>
           </a:p>
@@ -2151,7 +2151,7 @@
           <a:p>
             <a:fld id="{1775B394-D9F9-4F0C-B15D-605F45CB9E9F}" type="datetime1">
               <a:rPr lang="en-US" smtClean="0"/>
-              <a:t>3/11/2020</a:t>
+              <a:t>3/13/2020</a:t>
             </a:fld>
             <a:endParaRPr lang="en-US" dirty="0"/>
           </a:p>
@@ -2308,7 +2308,7 @@
           <a:p>
             <a:fld id="{39667345-2558-425A-8533-9BFDBCE15005}" type="datetime1">
               <a:rPr lang="en-US" smtClean="0"/>
-              <a:t>3/11/2020</a:t>
+              <a:t>3/13/2020</a:t>
             </a:fld>
             <a:endParaRPr lang="en-US" dirty="0"/>
           </a:p>
@@ -2637,7 +2637,7 @@
           <a:p>
             <a:fld id="{92BEA474-078D-4E9B-9B14-09A87B19DC46}" type="datetime1">
               <a:rPr lang="en-US" smtClean="0"/>
-              <a:t>3/11/2020</a:t>
+              <a:t>3/13/2020</a:t>
             </a:fld>
             <a:endParaRPr lang="en-US" dirty="0"/>
           </a:p>
@@ -2987,7 +2987,7 @@
           <a:p>
             <a:fld id="{4907D986-8816-4272-A432-0437A28A9828}" type="datetime1">
               <a:rPr lang="en-US" smtClean="0"/>
-              <a:t>3/11/2020</a:t>
+              <a:t>3/13/2020</a:t>
             </a:fld>
             <a:endParaRPr lang="en-US" dirty="0"/>
           </a:p>
@@ -3248,7 +3248,7 @@
           <a:p>
             <a:fld id="{62D6E202-B606-4609-B914-27C9371A1F6D}" type="datetime1">
               <a:rPr lang="en-US" smtClean="0"/>
-              <a:t>3/11/2020</a:t>
+              <a:t>3/13/2020</a:t>
             </a:fld>
             <a:endParaRPr lang="en-US" dirty="0"/>
           </a:p>
@@ -4319,7 +4319,7 @@
           <a:p>
             <a:r>
               <a:rPr lang="en-US" dirty="0"/>
-              <a:t>Solid – Overview</a:t>
+              <a:t>S.O.L.I.D. – Overview</a:t>
             </a:r>
             <a:br>
               <a:rPr lang="en-US" dirty="0"/>
@@ -4634,7 +4634,7 @@
         <p:spPr>
           <a:xfrm>
             <a:off x="274800" y="5658525"/>
-            <a:ext cx="5731553" cy="646331"/>
+            <a:ext cx="5821200" cy="646331"/>
           </a:xfrm>
           <a:prstGeom prst="rect">
             <a:avLst/>
@@ -4672,7 +4672,7 @@
             </a:r>
             <a:r>
               <a:rPr lang="en-US" dirty="0"/>
-              <a:t> class. Let's refract it. </a:t>
+              <a:t> class. Let’s refactor it. </a:t>
             </a:r>
             <a:r>
               <a:rPr lang="en-US" dirty="0">
@@ -4858,8 +4858,8 @@
         </p:nvSpPr>
         <p:spPr bwMode="auto">
           <a:xfrm>
-            <a:off x="602428" y="1950822"/>
-            <a:ext cx="10553252" cy="893188"/>
+            <a:off x="602428" y="1812323"/>
+            <a:ext cx="10553252" cy="1170187"/>
           </a:xfrm>
           <a:prstGeom prst="rect">
             <a:avLst/>
@@ -4917,7 +4917,7 @@
               <a:buNone/>
             </a:pPr>
             <a:r>
-              <a:rPr lang="en-US" altLang="en-US" sz="1800" dirty="0">
+              <a:rPr lang="en-US" altLang="en-US" sz="2400" dirty="0">
                 <a:solidFill>
                   <a:srgbClr val="222222"/>
                 </a:solidFill>
@@ -4927,7 +4927,7 @@
               <a:t>We need to design our module/class in such a way that the new functionality can be added only when new requirements are generated. </a:t>
             </a:r>
             <a:r>
-              <a:rPr lang="en-US" altLang="en-US" sz="1800" u="sng" dirty="0">
+              <a:rPr lang="en-US" altLang="en-US" sz="2400" u="sng" dirty="0">
                 <a:solidFill>
                   <a:srgbClr val="222222"/>
                 </a:solidFill>
@@ -4937,7 +4937,7 @@
               <a:t>A class should be open for extensions</a:t>
             </a:r>
             <a:r>
-              <a:rPr lang="en-US" altLang="en-US" sz="1800" dirty="0">
+              <a:rPr lang="en-US" altLang="en-US" sz="2400" dirty="0">
                 <a:solidFill>
                   <a:srgbClr val="222222"/>
                 </a:solidFill>
@@ -4946,7 +4946,7 @@
               </a:rPr>
               <a:t>. We can use inheritance to do this.</a:t>
             </a:r>
-            <a:endParaRPr kumimoji="0" lang="en-US" altLang="en-US" sz="4000" b="0" i="0" u="none" strike="noStrike" cap="none" normalizeH="0" baseline="0" dirty="0">
+            <a:endParaRPr kumimoji="0" lang="en-US" altLang="en-US" sz="4800" b="0" i="0" u="none" strike="noStrike" cap="none" normalizeH="0" baseline="0" dirty="0">
               <a:ln>
                 <a:noFill/>
               </a:ln>
@@ -5839,7 +5839,7 @@
             </a:r>
             <a:r>
               <a:rPr lang="en-US" sz="2400" dirty="0"/>
-              <a:t> purpose/responsibility. A class shouldn't be forced to implement an interface when the class doesn't share the interfaces purpose. The larger the interface, the more likely it includes methods that not all classes can implement. Clients should not be forced to depend upon interfaces that they don't use. </a:t>
+              <a:t> purpose/responsibility. A class shouldn't be forced to implement an interface when the class doesn't share the interfaces purpose. The larger the interface, the more likely it includes methods that not all classes can implement. Clients should not be forced to depend upon interfaces who’s methods they don't use. </a:t>
             </a:r>
             <a:endParaRPr kumimoji="0" lang="en-US" altLang="en-US" sz="2400" b="0" i="0" u="none" strike="noStrike" cap="none" normalizeH="0" baseline="0" dirty="0">
               <a:ln>
